--- a/PrototypeSubmission-Edurites.pptx
+++ b/PrototypeSubmission-Edurites.pptx
@@ -23,23 +23,16 @@
   <p:notesSz cx="6858000" cy="9144000"/>
   <p:embeddedFontLst>
     <p:embeddedFont>
-      <p:font typeface="Calibri" pitchFamily="34" charset="0"/>
+      <p:font typeface="Roboto" panose="02000000000000000000" pitchFamily="2" charset="0"/>
       <p:regular r:id="rId13"/>
       <p:bold r:id="rId14"/>
       <p:italic r:id="rId15"/>
       <p:boldItalic r:id="rId16"/>
     </p:embeddedFont>
     <p:embeddedFont>
-      <p:font typeface="Roboto" charset="0"/>
+      <p:font typeface="Roboto Slab" panose="020B0604020202020204" charset="0"/>
       <p:regular r:id="rId17"/>
       <p:bold r:id="rId18"/>
-      <p:italic r:id="rId19"/>
-      <p:boldItalic r:id="rId20"/>
-    </p:embeddedFont>
-    <p:embeddedFont>
-      <p:font typeface="Roboto Slab" charset="0"/>
-      <p:regular r:id="rId21"/>
-      <p:bold r:id="rId22"/>
     </p:embeddedFont>
   </p:embeddedFontLst>
   <p:defaultTextStyle>
@@ -273,7 +266,7 @@
   </p:defaultTextStyle>
   <p:extLst>
     <p:ext uri="{EFAFB233-063F-42B5-8137-9DF3F51BA10A}">
-      <p15:sldGuideLst xmlns="" xmlns:mc="http://schemas.openxmlformats.org/markup-compatibility/2006" xmlns:mv="urn:schemas-microsoft-com:mac:vml" xmlns:c="http://schemas.openxmlformats.org/drawingml/2006/chart" xmlns:dgm="http://schemas.openxmlformats.org/drawingml/2006/diagram" xmlns:o="urn:schemas-microsoft-com:office:office" xmlns:v="urn:schemas-microsoft-com:vml" xmlns:pvml="urn:schemas-microsoft-com:office:powerpoint" xmlns:com="http://schemas.openxmlformats.org/drawingml/2006/compatibility" xmlns:p14="http://schemas.microsoft.com/office/powerpoint/2010/main" xmlns:p15="http://schemas.microsoft.com/office/powerpoint/2012/main" xmlns:ahyp="http://schemas.microsoft.com/office/drawing/2018/hyperlinkcolor">
+      <p15:sldGuideLst xmlns:p15="http://schemas.microsoft.com/office/powerpoint/2012/main">
         <p15:guide id="1" orient="horz" pos="1620">
           <p15:clr>
             <a:srgbClr val="A4A3A4"/>
@@ -287,7 +280,7 @@
       </p15:sldGuideLst>
     </p:ext>
     <p:ext uri="http://customooxmlschemas.google.com/">
-      <go:slidesCustomData xmlns="" xmlns:mc="http://schemas.openxmlformats.org/markup-compatibility/2006" xmlns:mv="urn:schemas-microsoft-com:mac:vml" xmlns:c="http://schemas.openxmlformats.org/drawingml/2006/chart" xmlns:dgm="http://schemas.openxmlformats.org/drawingml/2006/diagram" xmlns:o="urn:schemas-microsoft-com:office:office" xmlns:v="urn:schemas-microsoft-com:vml" xmlns:pvml="urn:schemas-microsoft-com:office:powerpoint" xmlns:com="http://schemas.openxmlformats.org/drawingml/2006/compatibility" xmlns:p14="http://schemas.microsoft.com/office/powerpoint/2010/main" xmlns:p15="http://schemas.microsoft.com/office/powerpoint/2012/main" xmlns:ahyp="http://schemas.microsoft.com/office/drawing/2018/hyperlinkcolor" xmlns:go="http://customooxmlschemas.google.com/" r:id="rId23" roundtripDataSignature="AMtx7mhnhT3gIw6FOvW5xyCHR27w99wa+Q=="/>
+      <go:slidesCustomData xmlns:go="http://customooxmlschemas.google.com/" xmlns:ahyp="http://schemas.microsoft.com/office/drawing/2018/hyperlinkcolor" xmlns:p15="http://schemas.microsoft.com/office/powerpoint/2012/main" xmlns:p14="http://schemas.microsoft.com/office/powerpoint/2010/main" xmlns:com="http://schemas.openxmlformats.org/drawingml/2006/compatibility" xmlns:pvml="urn:schemas-microsoft-com:office:powerpoint" xmlns:v="urn:schemas-microsoft-com:vml" xmlns:o="urn:schemas-microsoft-com:office:office" xmlns:dgm="http://schemas.openxmlformats.org/drawingml/2006/diagram" xmlns:c="http://schemas.openxmlformats.org/drawingml/2006/chart" xmlns:mv="urn:schemas-microsoft-com:mac:vml" xmlns:mc="http://schemas.openxmlformats.org/markup-compatibility/2006" xmlns="" r:id="rId23" roundtripDataSignature="AMtx7mhnhT3gIw6FOvW5xyCHR27w99wa+Q=="/>
     </p:ext>
   </p:extLst>
 </p:presentation>
@@ -9988,8 +9981,8 @@
         </p:nvSpPr>
         <p:spPr>
           <a:xfrm>
-            <a:off x="1496400" y="462800"/>
-            <a:ext cx="6389100" cy="852000"/>
+            <a:off x="1496400" y="462799"/>
+            <a:ext cx="6389100" cy="1621181"/>
           </a:xfrm>
           <a:prstGeom prst="rect">
             <a:avLst/>
@@ -10020,51 +10013,17 @@
             </a:pPr>
             <a:r>
               <a:rPr lang="en" sz="3000" dirty="0"/>
-              <a:t>Prototype Submission Phase</a:t>
+              <a:t>Prototype Submission – Accenture Inequality Hackathon</a:t>
             </a:r>
             <a:endParaRPr sz="3000" dirty="0"/>
           </a:p>
         </p:txBody>
       </p:sp>
-      <p:pic>
-        <p:nvPicPr>
-          <p:cNvPr id="64" name="Google Shape;64;p1"/>
-          <p:cNvPicPr preferRelativeResize="0"/>
-          <p:nvPr/>
-        </p:nvPicPr>
-        <p:blipFill rotWithShape="1">
-          <a:blip r:embed="rId4">
-            <a:alphaModFix/>
-          </a:blip>
-          <a:srcRect/>
-          <a:stretch/>
-        </p:blipFill>
-        <p:spPr>
-          <a:xfrm>
-            <a:off x="8489825" y="178900"/>
-            <a:ext cx="471675" cy="471675"/>
-          </a:xfrm>
-          <a:prstGeom prst="rect">
-            <a:avLst/>
-          </a:prstGeom>
-          <a:noFill/>
-          <a:ln>
-            <a:noFill/>
-          </a:ln>
-        </p:spPr>
-      </p:pic>
     </p:spTree>
   </p:cSld>
   <p:clrMapOvr>
     <a:masterClrMapping/>
   </p:clrMapOvr>
-  <p:timing>
-    <p:tnLst>
-      <p:par>
-        <p:cTn id="1" dur="indefinite" restart="never" nodeType="tmRoot"/>
-      </p:par>
-    </p:tnLst>
-  </p:timing>
 </p:sld>
 </file>
 
@@ -10171,33 +10130,6 @@
           </a:p>
         </p:txBody>
       </p:sp>
-      <p:pic>
-        <p:nvPicPr>
-          <p:cNvPr id="110" name="Google Shape;110;g83372e3e9c_2_0"/>
-          <p:cNvPicPr preferRelativeResize="0"/>
-          <p:nvPr/>
-        </p:nvPicPr>
-        <p:blipFill rotWithShape="1">
-          <a:blip r:embed="rId3">
-            <a:alphaModFix/>
-          </a:blip>
-          <a:srcRect/>
-          <a:stretch/>
-        </p:blipFill>
-        <p:spPr>
-          <a:xfrm>
-            <a:off x="8489825" y="178900"/>
-            <a:ext cx="471675" cy="471675"/>
-          </a:xfrm>
-          <a:prstGeom prst="rect">
-            <a:avLst/>
-          </a:prstGeom>
-          <a:noFill/>
-          <a:ln>
-            <a:noFill/>
-          </a:ln>
-        </p:spPr>
-      </p:pic>
       <p:sp>
         <p:nvSpPr>
           <p:cNvPr id="2" name="TextBox 1"/>
@@ -10221,7 +10153,7 @@
           <a:lstStyle/>
           <a:p>
             <a:r>
-              <a:rPr lang="en-IN" sz="5400" dirty="0" smtClean="0">
+              <a:rPr lang="en-IN" sz="5400" dirty="0">
                 <a:solidFill>
                   <a:schemeClr val="tx1"/>
                 </a:solidFill>
@@ -10230,13 +10162,6 @@
               </a:rPr>
               <a:t>Thank you!</a:t>
             </a:r>
-            <a:endParaRPr lang="en-IN" sz="5400" dirty="0">
-              <a:solidFill>
-                <a:schemeClr val="tx1"/>
-              </a:solidFill>
-              <a:latin typeface="+mj-lt"/>
-              <a:ea typeface="Roboto" charset="0"/>
-            </a:endParaRPr>
           </a:p>
         </p:txBody>
       </p:sp>
@@ -10250,13 +10175,6 @@
   <p:clrMapOvr>
     <a:masterClrMapping/>
   </p:clrMapOvr>
-  <p:timing>
-    <p:tnLst>
-      <p:par>
-        <p:cTn id="1" dur="indefinite" restart="never" nodeType="tmRoot"/>
-      </p:par>
-    </p:tnLst>
-  </p:timing>
 </p:sld>
 </file>
 
@@ -10328,7 +10246,7 @@
               <a:buNone/>
             </a:pPr>
             <a:r>
-              <a:rPr lang="en" sz="3000" dirty="0" smtClean="0">
+              <a:rPr lang="en" sz="3000" dirty="0">
                 <a:solidFill>
                   <a:srgbClr val="0098FF"/>
                 </a:solidFill>
@@ -10385,19 +10303,11 @@
               <a:buSzPts val="1800"/>
               <a:buNone/>
             </a:pPr>
-            <a:r>
-              <a:rPr lang="en" i="1" dirty="0" smtClean="0"/>
-              <a:t/>
-            </a:r>
             <a:br>
-              <a:rPr lang="en" i="1" dirty="0" smtClean="0"/>
+              <a:rPr lang="en" i="1" dirty="0"/>
             </a:br>
-            <a:r>
-              <a:rPr lang="en" i="1" dirty="0" smtClean="0"/>
-              <a:t/>
-            </a:r>
             <a:br>
-              <a:rPr lang="en" i="1" dirty="0" smtClean="0"/>
+              <a:rPr lang="en" i="1" dirty="0"/>
             </a:br>
             <a:endParaRPr i="1" dirty="0"/>
           </a:p>
@@ -10446,7 +10356,7 @@
               <a:buNone/>
             </a:pPr>
             <a:r>
-              <a:rPr lang="en" sz="3000" dirty="0" smtClean="0">
+              <a:rPr lang="en" sz="3000" dirty="0">
                 <a:solidFill>
                   <a:srgbClr val="0098FF"/>
                 </a:solidFill>
@@ -10456,7 +10366,7 @@
               <a:t>THEME</a:t>
             </a:r>
             <a:r>
-              <a:rPr lang="en" sz="3000" dirty="0" smtClean="0">
+              <a:rPr lang="en" sz="3000" dirty="0">
                 <a:solidFill>
                   <a:srgbClr val="0098FF"/>
                 </a:solidFill>
@@ -10515,44 +10425,17 @@
               <a:t> </a:t>
             </a:r>
             <a:r>
-              <a:rPr lang="en-IN" sz="2400" b="1" dirty="0" smtClean="0"/>
+              <a:rPr lang="en-IN" sz="2400" b="1" dirty="0"/>
               <a:t>Employee Attrition Prediction Model</a:t>
             </a:r>
             <a:r>
-              <a:rPr lang="en-IN" sz="2400" dirty="0" smtClean="0"/>
+              <a:rPr lang="en-IN" sz="2400" dirty="0"/>
               <a:t> </a:t>
             </a:r>
             <a:endParaRPr sz="2400" i="1" dirty="0"/>
           </a:p>
         </p:txBody>
       </p:sp>
-      <p:pic>
-        <p:nvPicPr>
-          <p:cNvPr id="73" name="Google Shape;73;p2"/>
-          <p:cNvPicPr preferRelativeResize="0"/>
-          <p:nvPr/>
-        </p:nvPicPr>
-        <p:blipFill rotWithShape="1">
-          <a:blip r:embed="rId3">
-            <a:alphaModFix/>
-          </a:blip>
-          <a:srcRect/>
-          <a:stretch/>
-        </p:blipFill>
-        <p:spPr>
-          <a:xfrm>
-            <a:off x="8489825" y="178900"/>
-            <a:ext cx="471675" cy="471675"/>
-          </a:xfrm>
-          <a:prstGeom prst="rect">
-            <a:avLst/>
-          </a:prstGeom>
-          <a:noFill/>
-          <a:ln>
-            <a:noFill/>
-          </a:ln>
-        </p:spPr>
-      </p:pic>
       <p:sp>
         <p:nvSpPr>
           <p:cNvPr id="3" name="TextBox 2"/>
@@ -10562,7 +10445,7 @@
         <p:spPr>
           <a:xfrm>
             <a:off x="182882" y="1948617"/>
-            <a:ext cx="4590918" cy="954107"/>
+            <a:ext cx="4590918" cy="738664"/>
           </a:xfrm>
           <a:prstGeom prst="rect">
             <a:avLst/>
@@ -10576,49 +10459,19 @@
           <a:lstStyle/>
           <a:p>
             <a:r>
-              <a:rPr lang="en-IN" b="1" i="1" dirty="0" err="1" smtClean="0">
+              <a:rPr lang="en-IN" b="1" i="1" dirty="0">
                 <a:solidFill>
                   <a:schemeClr val="tx1"/>
                 </a:solidFill>
                 <a:latin typeface="Roboto" charset="0"/>
                 <a:ea typeface="Roboto" charset="0"/>
               </a:rPr>
-              <a:t>Akhil</a:t>
-            </a:r>
-            <a:r>
-              <a:rPr lang="en-IN" b="1" i="1" dirty="0">
-                <a:solidFill>
-                  <a:schemeClr val="tx1"/>
-                </a:solidFill>
-                <a:latin typeface="Roboto" charset="0"/>
-                <a:ea typeface="Roboto" charset="0"/>
-              </a:rPr>
-              <a:t> </a:t>
-            </a:r>
-            <a:r>
-              <a:rPr lang="en-IN" b="1" i="1" dirty="0" err="1" smtClean="0">
-                <a:solidFill>
-                  <a:schemeClr val="tx1"/>
-                </a:solidFill>
-                <a:latin typeface="Roboto" charset="0"/>
-                <a:ea typeface="Roboto" charset="0"/>
-              </a:rPr>
-              <a:t>Shrivastava</a:t>
-            </a:r>
-            <a:r>
-              <a:rPr lang="en-IN" b="1" i="1" dirty="0" smtClean="0">
-                <a:solidFill>
-                  <a:schemeClr val="tx1"/>
-                </a:solidFill>
-                <a:latin typeface="Roboto" charset="0"/>
-                <a:ea typeface="Roboto" charset="0"/>
-              </a:rPr>
-              <a:t> (Accenture)</a:t>
+              <a:t>Akhil Shrivastava (Accenture)</a:t>
             </a:r>
           </a:p>
           <a:p>
             <a:r>
-              <a:rPr lang="en-IN" b="1" i="1" dirty="0" smtClean="0">
+              <a:rPr lang="en-IN" b="1" i="1" dirty="0">
                 <a:solidFill>
                   <a:schemeClr val="tx1"/>
                 </a:solidFill>
@@ -10628,7 +10481,7 @@
               <a:t>Work exp. – 3 </a:t>
             </a:r>
             <a:r>
-              <a:rPr lang="en-IN" b="1" i="1" dirty="0" err="1" smtClean="0">
+              <a:rPr lang="en-IN" b="1" i="1" dirty="0" err="1">
                 <a:solidFill>
                   <a:schemeClr val="tx1"/>
                 </a:solidFill>
@@ -10637,7 +10490,7 @@
               </a:rPr>
               <a:t>yrs</a:t>
             </a:r>
-            <a:endParaRPr lang="en-IN" b="1" i="1" dirty="0" smtClean="0">
+            <a:endParaRPr lang="en-IN" b="1" i="1" dirty="0">
               <a:solidFill>
                 <a:schemeClr val="tx1"/>
               </a:solidFill>
@@ -10647,7 +10500,7 @@
           </a:p>
           <a:p>
             <a:r>
-              <a:rPr lang="en-IN" b="1" i="1" dirty="0" smtClean="0">
+              <a:rPr lang="en-IN" b="1" i="1" dirty="0">
                 <a:solidFill>
                   <a:schemeClr val="tx1"/>
                 </a:solidFill>
@@ -10657,7 +10510,7 @@
               <a:t>LinkedIn</a:t>
             </a:r>
             <a:r>
-              <a:rPr lang="en-IN" dirty="0" smtClean="0">
+              <a:rPr lang="en-IN" dirty="0">
                 <a:solidFill>
                   <a:schemeClr val="tx1"/>
                 </a:solidFill>
@@ -10665,13 +10518,13 @@
               <a:t> - </a:t>
             </a:r>
             <a:r>
-              <a:rPr lang="en-IN" dirty="0" smtClean="0">
+              <a:rPr lang="en-IN" dirty="0" err="1">
                 <a:solidFill>
                   <a:schemeClr val="tx1"/>
                 </a:solidFill>
-                <a:hlinkClick r:id="rId4"/>
+                <a:hlinkClick r:id="rId3"/>
               </a:rPr>
-              <a:t>https://www.linkedin.com/in/akhil-shrivastava-18931814b/</a:t>
+              <a:t>akhil-shrivastava</a:t>
             </a:r>
             <a:endParaRPr lang="en-IN" dirty="0">
               <a:solidFill>
@@ -10690,7 +10543,7 @@
         <p:spPr>
           <a:xfrm>
             <a:off x="233331" y="3142012"/>
-            <a:ext cx="4490020" cy="954107"/>
+            <a:ext cx="4490020" cy="738664"/>
           </a:xfrm>
           <a:prstGeom prst="rect">
             <a:avLst/>
@@ -10704,7 +10557,7 @@
           <a:lstStyle/>
           <a:p>
             <a:r>
-              <a:rPr lang="en-IN" b="1" i="1" dirty="0" err="1" smtClean="0">
+              <a:rPr lang="en-IN" b="1" i="1" dirty="0" err="1">
                 <a:solidFill>
                   <a:schemeClr val="tx1"/>
                 </a:solidFill>
@@ -10714,7 +10567,7 @@
               <a:t>Shivam</a:t>
             </a:r>
             <a:r>
-              <a:rPr lang="en-IN" b="1" i="1" dirty="0" smtClean="0">
+              <a:rPr lang="en-IN" b="1" i="1" dirty="0">
                 <a:solidFill>
                   <a:schemeClr val="tx1"/>
                 </a:solidFill>
@@ -10726,7 +10579,7 @@
           </a:p>
           <a:p>
             <a:r>
-              <a:rPr lang="en-IN" b="1" i="1" dirty="0" smtClean="0">
+              <a:rPr lang="en-IN" b="1" i="1" dirty="0">
                 <a:solidFill>
                   <a:schemeClr val="tx1"/>
                 </a:solidFill>
@@ -10736,7 +10589,7 @@
               <a:t>Work exp. – 3 </a:t>
             </a:r>
             <a:r>
-              <a:rPr lang="en-IN" b="1" i="1" dirty="0" err="1" smtClean="0">
+              <a:rPr lang="en-IN" b="1" i="1" dirty="0" err="1">
                 <a:solidFill>
                   <a:schemeClr val="tx1"/>
                 </a:solidFill>
@@ -10745,7 +10598,7 @@
               </a:rPr>
               <a:t>yrs</a:t>
             </a:r>
-            <a:endParaRPr lang="en-IN" b="1" i="1" dirty="0" smtClean="0">
+            <a:endParaRPr lang="en-IN" b="1" i="1" dirty="0">
               <a:solidFill>
                 <a:schemeClr val="tx1"/>
               </a:solidFill>
@@ -10755,7 +10608,7 @@
           </a:p>
           <a:p>
             <a:r>
-              <a:rPr lang="en-IN" b="1" i="1" dirty="0" smtClean="0">
+              <a:rPr lang="en-IN" b="1" i="1" dirty="0">
                 <a:solidFill>
                   <a:schemeClr val="tx1"/>
                 </a:solidFill>
@@ -10765,7 +10618,7 @@
               <a:t>LinkedIn</a:t>
             </a:r>
             <a:r>
-              <a:rPr lang="en-IN" dirty="0" smtClean="0">
+              <a:rPr lang="en-IN" dirty="0">
                 <a:solidFill>
                   <a:schemeClr val="tx1"/>
                 </a:solidFill>
@@ -10775,15 +10628,15 @@
               <a:t> - </a:t>
             </a:r>
             <a:r>
-              <a:rPr lang="en-IN" dirty="0" smtClean="0">
+              <a:rPr lang="en-IN" dirty="0" err="1">
                 <a:solidFill>
                   <a:schemeClr val="tx1"/>
                 </a:solidFill>
                 <a:latin typeface="Roboto" charset="0"/>
                 <a:ea typeface="Roboto" charset="0"/>
-                <a:hlinkClick r:id="rId5"/>
+                <a:hlinkClick r:id="rId4"/>
               </a:rPr>
-              <a:t>https://www.linkedin.com/in/shivam-gupta-325297134/</a:t>
+              <a:t>shivam-gupta</a:t>
             </a:r>
             <a:endParaRPr lang="en-IN" dirty="0">
               <a:solidFill>
@@ -10800,13 +10653,6 @@
   <p:clrMapOvr>
     <a:masterClrMapping/>
   </p:clrMapOvr>
-  <p:timing>
-    <p:tnLst>
-      <p:par>
-        <p:cTn id="1" dur="indefinite" restart="never" nodeType="tmRoot"/>
-      </p:par>
-    </p:tnLst>
-  </p:timing>
 </p:sld>
 </file>
 
@@ -10934,23 +10780,7 @@
             </a:pPr>
             <a:r>
               <a:rPr lang="en-IN" sz="1400" dirty="0"/>
-              <a:t>People are the lifeblood of an organization. Employee attrition is an </a:t>
-            </a:r>
-            <a:r>
-              <a:rPr lang="en-IN" sz="1400" dirty="0" smtClean="0"/>
-              <a:t>extremely important </a:t>
-            </a:r>
-            <a:r>
-              <a:rPr lang="en-IN" sz="1400" dirty="0"/>
-              <a:t>and relevant business problem all organizations face. The major problem with high attrition is the cost to the organization and the time and </a:t>
-            </a:r>
-            <a:r>
-              <a:rPr lang="en-IN" sz="1400" dirty="0" smtClean="0"/>
-              <a:t> resource </a:t>
-            </a:r>
-            <a:r>
-              <a:rPr lang="en-IN" sz="1400" dirty="0"/>
-              <a:t>investment. We invite you to propose ideas that can help in predicting and finding proactive ways of reducing attrition using technologies of your choice For </a:t>
+              <a:t>People are the lifeblood of an organization. Employee attrition is an extremely important and relevant business problem all organizations face. The major problem with high attrition is the cost to the organization and the time and  resource investment. We invite you to propose ideas that can help in predicting and finding proactive ways of reducing attrition using technologies of your choice For </a:t>
             </a:r>
             <a:r>
               <a:rPr lang="en-IN" sz="1400" dirty="0" err="1"/>
@@ -10958,19 +10788,7 @@
             </a:r>
             <a:r>
               <a:rPr lang="en-IN" sz="1400" dirty="0"/>
-              <a:t>: use available data/ and create </a:t>
-            </a:r>
-            <a:r>
-              <a:rPr lang="en-IN" sz="1400" dirty="0" smtClean="0"/>
-              <a:t>modelling </a:t>
-            </a:r>
-            <a:r>
-              <a:rPr lang="en-IN" sz="1400" dirty="0"/>
-              <a:t>tools to predict which employees are more likely to leave given some attributes like absenteeism, stagnation in a role, active disengagement, etc</a:t>
-            </a:r>
-            <a:r>
-              <a:rPr lang="en-IN" sz="1400" dirty="0" smtClean="0"/>
-              <a:t>.</a:t>
+              <a:t>: use available data/ and create modelling tools to predict which employees are more likely to leave given some attributes like absenteeism, stagnation in a role, active disengagement, etc.</a:t>
             </a:r>
           </a:p>
           <a:p>
@@ -10984,33 +10802,6 @@
           </a:p>
         </p:txBody>
       </p:sp>
-      <p:pic>
-        <p:nvPicPr>
-          <p:cNvPr id="80" name="Google Shape;80;p3"/>
-          <p:cNvPicPr preferRelativeResize="0"/>
-          <p:nvPr/>
-        </p:nvPicPr>
-        <p:blipFill rotWithShape="1">
-          <a:blip r:embed="rId3">
-            <a:alphaModFix/>
-          </a:blip>
-          <a:srcRect/>
-          <a:stretch/>
-        </p:blipFill>
-        <p:spPr>
-          <a:xfrm>
-            <a:off x="8489825" y="178900"/>
-            <a:ext cx="471675" cy="471675"/>
-          </a:xfrm>
-          <a:prstGeom prst="rect">
-            <a:avLst/>
-          </a:prstGeom>
-          <a:noFill/>
-          <a:ln>
-            <a:noFill/>
-          </a:ln>
-        </p:spPr>
-      </p:pic>
       <p:sp>
         <p:nvSpPr>
           <p:cNvPr id="4" name="TextBox 3"/>
@@ -11034,7 +10825,7 @@
           <a:lstStyle/>
           <a:p>
             <a:r>
-              <a:rPr lang="en" sz="2800" dirty="0" smtClean="0">
+              <a:rPr lang="en" sz="2800" dirty="0">
                 <a:solidFill>
                   <a:srgbClr val="0098FF"/>
                 </a:solidFill>
@@ -11042,7 +10833,7 @@
               <a:t>Idea/Solution</a:t>
             </a:r>
             <a:r>
-              <a:rPr lang="en" sz="1800" dirty="0" smtClean="0">
+              <a:rPr lang="en" sz="1800" dirty="0">
                 <a:solidFill>
                   <a:srgbClr val="0098FF"/>
                 </a:solidFill>
@@ -11092,13 +10883,6 @@
   <p:clrMapOvr>
     <a:masterClrMapping/>
   </p:clrMapOvr>
-  <p:timing>
-    <p:tnLst>
-      <p:par>
-        <p:cTn id="1" dur="indefinite" restart="never" nodeType="tmRoot"/>
-      </p:par>
-    </p:tnLst>
-  </p:timing>
 </p:sld>
 </file>
 
@@ -11226,25 +11010,11 @@
               <a:buChar char="•"/>
             </a:pPr>
             <a:r>
-              <a:rPr lang="en-IN" sz="1200" dirty="0" smtClean="0">
-                <a:latin typeface="Roboto" charset="0"/>
-                <a:ea typeface="Roboto" charset="0"/>
-              </a:rPr>
-              <a:t>The </a:t>
-            </a:r>
-            <a:r>
               <a:rPr lang="en-IN" sz="1200" dirty="0">
                 <a:latin typeface="Roboto" charset="0"/>
                 <a:ea typeface="Roboto" charset="0"/>
               </a:rPr>
-              <a:t>solution starts with data gathering which can be done by using feedback forms or data from the targeted population</a:t>
-            </a:r>
-            <a:r>
-              <a:rPr lang="en-IN" sz="1200" dirty="0" smtClean="0">
-                <a:latin typeface="Roboto" charset="0"/>
-                <a:ea typeface="Roboto" charset="0"/>
-              </a:rPr>
-              <a:t>.</a:t>
+              <a:t>The solution starts with data gathering which can be done by using feedback forms or data from the targeted population.</a:t>
             </a:r>
           </a:p>
           <a:p>
@@ -11260,28 +11030,7 @@
                 <a:latin typeface="Roboto" charset="0"/>
                 <a:ea typeface="Roboto" charset="0"/>
               </a:rPr>
-              <a:t>Initially we will check for missing and improper data fields in our data set </a:t>
-            </a:r>
-            <a:r>
-              <a:rPr lang="en-IN" sz="1200" dirty="0" smtClean="0">
-                <a:latin typeface="Roboto" charset="0"/>
-                <a:ea typeface="Roboto" charset="0"/>
-              </a:rPr>
-              <a:t>this includes </a:t>
-            </a:r>
-            <a:r>
-              <a:rPr lang="en-IN" sz="1200" dirty="0">
-                <a:latin typeface="Roboto" charset="0"/>
-                <a:ea typeface="Roboto" charset="0"/>
-              </a:rPr>
-              <a:t>handling outliers</a:t>
-            </a:r>
-            <a:r>
-              <a:rPr lang="en-IN" sz="1200" dirty="0" smtClean="0">
-                <a:latin typeface="Roboto" charset="0"/>
-                <a:ea typeface="Roboto" charset="0"/>
-              </a:rPr>
-              <a:t>.</a:t>
+              <a:t>Initially we will check for missing and improper data fields in our data set this includes handling outliers.</a:t>
             </a:r>
           </a:p>
           <a:p>
@@ -11297,28 +11046,7 @@
                 <a:latin typeface="Roboto" charset="0"/>
                 <a:ea typeface="Roboto" charset="0"/>
               </a:rPr>
-              <a:t>Once data is mature then we will perform some analysis to get the insights like our data can have columns like Job Satisfaction Rating, Marital Status, Years in current role, Distance from home, Environment Satisfaction. We observed high influence of these factors in </a:t>
-            </a:r>
-            <a:r>
-              <a:rPr lang="en-IN" sz="1200" dirty="0" smtClean="0">
-                <a:latin typeface="Roboto" charset="0"/>
-                <a:ea typeface="Roboto" charset="0"/>
-              </a:rPr>
-              <a:t>employee’s decision </a:t>
-            </a:r>
-            <a:r>
-              <a:rPr lang="en-IN" sz="1200" dirty="0">
-                <a:latin typeface="Roboto" charset="0"/>
-                <a:ea typeface="Roboto" charset="0"/>
-              </a:rPr>
-              <a:t>to look for other job opportunities</a:t>
-            </a:r>
-            <a:r>
-              <a:rPr lang="en-IN" sz="1200" dirty="0" smtClean="0">
-                <a:latin typeface="Roboto" charset="0"/>
-                <a:ea typeface="Roboto" charset="0"/>
-              </a:rPr>
-              <a:t>.</a:t>
+              <a:t>Once data is mature then we will perform some analysis to get the insights like our data can have columns like Job Satisfaction Rating, Marital Status, Years in current role, Distance from home, Environment Satisfaction. We observed high influence of these factors in employee’s decision to look for other job opportunities.</a:t>
             </a:r>
           </a:p>
           <a:p>
@@ -11334,28 +11062,7 @@
                 <a:latin typeface="Roboto" charset="0"/>
                 <a:ea typeface="Roboto" charset="0"/>
               </a:rPr>
-              <a:t>After the features are finalized then we have to prepare the data to be used in our algorithms, </a:t>
-            </a:r>
-            <a:r>
-              <a:rPr lang="en-IN" sz="1200" dirty="0" smtClean="0">
-                <a:latin typeface="Roboto" charset="0"/>
-                <a:ea typeface="Roboto" charset="0"/>
-              </a:rPr>
-              <a:t>and we will </a:t>
-            </a:r>
-            <a:r>
-              <a:rPr lang="en-IN" sz="1200" dirty="0">
-                <a:latin typeface="Roboto" charset="0"/>
-                <a:ea typeface="Roboto" charset="0"/>
-              </a:rPr>
-              <a:t>apply normalization and standardization to get optimum performance</a:t>
-            </a:r>
-            <a:r>
-              <a:rPr lang="en-IN" sz="1200" dirty="0" smtClean="0">
-                <a:latin typeface="Roboto" charset="0"/>
-                <a:ea typeface="Roboto" charset="0"/>
-              </a:rPr>
-              <a:t>.</a:t>
+              <a:t>After the features are finalized then we have to prepare the data to be used in our algorithms, and we will apply normalization and standardization to get optimum performance.</a:t>
             </a:r>
           </a:p>
           <a:p>
@@ -11371,28 +11078,7 @@
                 <a:latin typeface="Roboto" charset="0"/>
                 <a:ea typeface="Roboto" charset="0"/>
               </a:rPr>
-              <a:t>In this stage our data is prepared and we have analysed the features, now we will select an algorithm </a:t>
-            </a:r>
-            <a:r>
-              <a:rPr lang="en-IN" sz="1200" dirty="0" smtClean="0">
-                <a:latin typeface="Roboto" charset="0"/>
-                <a:ea typeface="Roboto" charset="0"/>
-              </a:rPr>
-              <a:t>and check </a:t>
-            </a:r>
-            <a:r>
-              <a:rPr lang="en-IN" sz="1200" dirty="0">
-                <a:latin typeface="Roboto" charset="0"/>
-                <a:ea typeface="Roboto" charset="0"/>
-              </a:rPr>
-              <a:t>for the optimum performance according to the </a:t>
-            </a:r>
-            <a:r>
-              <a:rPr lang="en-IN" sz="1200" dirty="0" smtClean="0">
-                <a:latin typeface="Roboto" charset="0"/>
-                <a:ea typeface="Roboto" charset="0"/>
-              </a:rPr>
-              <a:t>needs</a:t>
+              <a:t>In this stage our data is prepared and we have analysed the features, now we will select an algorithm and check for the optimum performance according to the needs</a:t>
             </a:r>
             <a:r>
               <a:rPr lang="en" sz="1200" dirty="0">
@@ -11422,26 +11108,8 @@
                 <a:latin typeface="Roboto" charset="0"/>
                 <a:ea typeface="Roboto" charset="0"/>
               </a:rPr>
-              <a:t>Now we will further improve the algorithm by </a:t>
+              <a:t>Now we will further improve the algorithm by hyper parameter tuning.</a:t>
             </a:r>
-            <a:r>
-              <a:rPr lang="en-IN" sz="1200" dirty="0">
-                <a:latin typeface="Roboto" charset="0"/>
-                <a:ea typeface="Roboto" charset="0"/>
-              </a:rPr>
-              <a:t>hyper parameter </a:t>
-            </a:r>
-            <a:r>
-              <a:rPr lang="en-IN" sz="1200" dirty="0" smtClean="0">
-                <a:latin typeface="Roboto" charset="0"/>
-                <a:ea typeface="Roboto" charset="0"/>
-              </a:rPr>
-              <a:t>tuning.</a:t>
-            </a:r>
-            <a:endParaRPr lang="en-IN" sz="1200" dirty="0" smtClean="0">
-              <a:latin typeface="Roboto" charset="0"/>
-              <a:ea typeface="Roboto" charset="0"/>
-            </a:endParaRPr>
           </a:p>
           <a:p>
             <a:pPr lvl="0" algn="l">
@@ -11456,24 +11124,10 @@
                 <a:latin typeface="Roboto" charset="0"/>
                 <a:ea typeface="Roboto" charset="0"/>
               </a:rPr>
-              <a:t>Once </a:t>
+              <a:t>Once our model is ready to be deployed. We can create our own server or use any </a:t>
             </a:r>
             <a:r>
-              <a:rPr lang="en-IN" sz="1200" dirty="0" smtClean="0">
-                <a:latin typeface="Roboto" charset="0"/>
-                <a:ea typeface="Roboto" charset="0"/>
-              </a:rPr>
-              <a:t>our </a:t>
-            </a:r>
-            <a:r>
-              <a:rPr lang="en-IN" sz="1200" dirty="0">
-                <a:latin typeface="Roboto" charset="0"/>
-                <a:ea typeface="Roboto" charset="0"/>
-              </a:rPr>
-              <a:t>model is ready to be deployed. We can create our own server or use any </a:t>
-            </a:r>
-            <a:r>
-              <a:rPr lang="en-IN" sz="1200" dirty="0" err="1" smtClean="0">
+              <a:rPr lang="en-IN" sz="1200" dirty="0" err="1">
                 <a:latin typeface="Roboto" charset="0"/>
                 <a:ea typeface="Roboto" charset="0"/>
               </a:rPr>
@@ -11484,14 +11138,7 @@
                 <a:latin typeface="Roboto" charset="0"/>
                 <a:ea typeface="Roboto" charset="0"/>
               </a:rPr>
-              <a:t> </a:t>
-            </a:r>
-            <a:r>
-              <a:rPr lang="en-IN" sz="1200" dirty="0" smtClean="0">
-                <a:latin typeface="Roboto" charset="0"/>
-                <a:ea typeface="Roboto" charset="0"/>
-              </a:rPr>
-              <a:t>(Platform as a service).</a:t>
+              <a:t> (Platform as a service).</a:t>
             </a:r>
           </a:p>
           <a:p>
@@ -11507,57 +11154,16 @@
                 <a:latin typeface="Roboto" charset="0"/>
                 <a:ea typeface="Roboto" charset="0"/>
               </a:rPr>
-              <a:t>Further we can ensure to build a pipeline to update our model based on data added and new knowledge addition</a:t>
-            </a:r>
-            <a:r>
-              <a:rPr lang="en-IN" sz="1200" dirty="0" smtClean="0">
-                <a:latin typeface="Roboto" charset="0"/>
-                <a:ea typeface="Roboto" charset="0"/>
-              </a:rPr>
-              <a:t>.</a:t>
+              <a:t>Further we can ensure to build a pipeline to update our model based on data added and new knowledge addition.</a:t>
             </a:r>
           </a:p>
         </p:txBody>
       </p:sp>
-      <p:pic>
-        <p:nvPicPr>
-          <p:cNvPr id="87" name="Google Shape;87;p4"/>
-          <p:cNvPicPr preferRelativeResize="0"/>
-          <p:nvPr/>
-        </p:nvPicPr>
-        <p:blipFill rotWithShape="1">
-          <a:blip r:embed="rId3">
-            <a:alphaModFix/>
-          </a:blip>
-          <a:srcRect/>
-          <a:stretch/>
-        </p:blipFill>
-        <p:spPr>
-          <a:xfrm>
-            <a:off x="8489825" y="178900"/>
-            <a:ext cx="471675" cy="471675"/>
-          </a:xfrm>
-          <a:prstGeom prst="rect">
-            <a:avLst/>
-          </a:prstGeom>
-          <a:noFill/>
-          <a:ln>
-            <a:noFill/>
-          </a:ln>
-        </p:spPr>
-      </p:pic>
     </p:spTree>
   </p:cSld>
   <p:clrMapOvr>
     <a:masterClrMapping/>
   </p:clrMapOvr>
-  <p:timing>
-    <p:tnLst>
-      <p:par>
-        <p:cTn id="1" dur="indefinite" restart="never" nodeType="tmRoot"/>
-      </p:par>
-    </p:tnLst>
-  </p:timing>
 </p:sld>
 </file>
 
@@ -11629,7 +11235,7 @@
               <a:buNone/>
             </a:pPr>
             <a:r>
-              <a:rPr lang="en" sz="3000" dirty="0" smtClean="0">
+              <a:rPr lang="en" sz="3000" dirty="0">
                 <a:solidFill>
                   <a:srgbClr val="0098FF"/>
                 </a:solidFill>
@@ -11681,14 +11287,9 @@
               <a:buChar char="•"/>
             </a:pPr>
             <a:r>
-              <a:rPr lang="en-IN" sz="1600" dirty="0" smtClean="0"/>
-              <a:t>Reduces </a:t>
+              <a:rPr lang="en-IN" sz="1600" dirty="0"/>
+              <a:t>Reduces cost of company on hiring and training new employees. </a:t>
             </a:r>
-            <a:r>
-              <a:rPr lang="en-IN" sz="1600" dirty="0"/>
-              <a:t>cost of company on hiring and training new employees. </a:t>
-            </a:r>
-            <a:endParaRPr lang="en-IN" sz="1600" dirty="0" smtClean="0"/>
           </a:p>
           <a:p>
             <a:pPr lvl="1" algn="l">
@@ -11699,7 +11300,6 @@
               <a:rPr lang="en-IN" sz="1600" dirty="0"/>
               <a:t>Improves company employee retention rate. </a:t>
             </a:r>
-            <a:endParaRPr lang="en-IN" sz="1600" dirty="0" smtClean="0"/>
           </a:p>
           <a:p>
             <a:pPr lvl="1" algn="l">
@@ -11708,19 +11308,14 @@
             </a:pPr>
             <a:r>
               <a:rPr lang="en-IN" sz="1600" dirty="0"/>
-              <a:t>Retaining existing employee's will help organization to use employee's current experience which in turn will lead to company's growth rather than investing in new recruitment process</a:t>
+              <a:t>Retaining existing employee's will help organization to use employee's current experience which in turn will lead to company's growth rather than investing in new recruitment process.</a:t>
             </a:r>
-            <a:r>
-              <a:rPr lang="en-IN" sz="1600" dirty="0" smtClean="0"/>
-              <a:t>.</a:t>
-            </a:r>
-            <a:endParaRPr lang="en-IN" sz="1600" dirty="0"/>
           </a:p>
           <a:p>
             <a:pPr marL="596900" lvl="1" indent="0" algn="l">
               <a:buNone/>
             </a:pPr>
-            <a:endParaRPr lang="en-IN" sz="1600" dirty="0" smtClean="0"/>
+            <a:endParaRPr lang="en-IN" sz="1600" dirty="0"/>
           </a:p>
           <a:p>
             <a:pPr marL="114300" lvl="0" indent="0" algn="l">
@@ -11744,33 +11339,6 @@
           </a:p>
         </p:txBody>
       </p:sp>
-      <p:pic>
-        <p:nvPicPr>
-          <p:cNvPr id="87" name="Google Shape;87;p4"/>
-          <p:cNvPicPr preferRelativeResize="0"/>
-          <p:nvPr/>
-        </p:nvPicPr>
-        <p:blipFill rotWithShape="1">
-          <a:blip r:embed="rId3">
-            <a:alphaModFix/>
-          </a:blip>
-          <a:srcRect/>
-          <a:stretch/>
-        </p:blipFill>
-        <p:spPr>
-          <a:xfrm>
-            <a:off x="8489825" y="178900"/>
-            <a:ext cx="471675" cy="471675"/>
-          </a:xfrm>
-          <a:prstGeom prst="rect">
-            <a:avLst/>
-          </a:prstGeom>
-          <a:noFill/>
-          <a:ln>
-            <a:noFill/>
-          </a:ln>
-        </p:spPr>
-      </p:pic>
       <p:sp>
         <p:nvSpPr>
           <p:cNvPr id="3" name="TextBox 2"/>
@@ -11794,7 +11362,7 @@
           <a:lstStyle/>
           <a:p>
             <a:r>
-              <a:rPr lang="en" sz="2800" dirty="0" smtClean="0">
+              <a:rPr lang="en" sz="2800" dirty="0">
                 <a:solidFill>
                   <a:srgbClr val="0098FF"/>
                 </a:solidFill>
@@ -11839,34 +11407,17 @@
               <a:buChar char="•"/>
             </a:pPr>
             <a:r>
-              <a:rPr lang="en-IN" dirty="0" smtClean="0">
+              <a:rPr lang="en-IN" dirty="0">
                 <a:solidFill>
                   <a:schemeClr val="tx1"/>
                 </a:solidFill>
               </a:rPr>
-              <a:t>To </a:t>
+              <a:t>To an extent the model is dependent on the quality and sources of data.</a:t>
             </a:r>
             <a:r>
-              <a:rPr lang="en-IN" dirty="0">
-                <a:solidFill>
-                  <a:schemeClr val="tx1"/>
-                </a:solidFill>
-              </a:rPr>
-              <a:t>an extent the model is dependent on the quality and sources of </a:t>
-            </a:r>
-            <a:r>
-              <a:rPr lang="en-IN" dirty="0" smtClean="0">
-                <a:solidFill>
-                  <a:schemeClr val="tx1"/>
-                </a:solidFill>
-              </a:rPr>
-              <a:t>data.</a:t>
-            </a:r>
-            <a:r>
-              <a:rPr lang="en-IN" dirty="0" smtClean="0"/>
+              <a:rPr lang="en-IN" dirty="0"/>
               <a:t>.</a:t>
             </a:r>
-            <a:endParaRPr lang="en-IN" dirty="0" smtClean="0"/>
           </a:p>
           <a:p>
             <a:pPr marL="285750" indent="-285750">
@@ -11885,13 +11436,6 @@
   <p:clrMapOvr>
     <a:masterClrMapping/>
   </p:clrMapOvr>
-  <p:timing>
-    <p:tnLst>
-      <p:par>
-        <p:cTn id="1" dur="indefinite" restart="never" nodeType="tmRoot"/>
-      </p:par>
-    </p:tnLst>
-  </p:timing>
 </p:sld>
 </file>
 
@@ -11941,7 +11485,7 @@
           <a:lstStyle/>
           <a:p>
             <a:r>
-              <a:rPr lang="en" sz="2800" dirty="0" smtClean="0">
+              <a:rPr lang="en" sz="2800" dirty="0">
                 <a:solidFill>
                   <a:srgbClr val="0098FF"/>
                 </a:solidFill>
@@ -12032,21 +11576,6 @@
   <p:clrMapOvr>
     <a:masterClrMapping/>
   </p:clrMapOvr>
-  <mc:AlternateContent xmlns:mc="http://schemas.openxmlformats.org/markup-compatibility/2006" xmlns:p14="http://schemas.microsoft.com/office/powerpoint/2010/main">
-    <mc:Choice Requires="p14">
-      <p:transition spd="slow" p14:dur="2000"/>
-    </mc:Choice>
-    <mc:Fallback xmlns="">
-      <p:transition spd="slow"/>
-    </mc:Fallback>
-  </mc:AlternateContent>
-  <p:timing>
-    <p:tnLst>
-      <p:par>
-        <p:cTn id="1" dur="indefinite" restart="never" nodeType="tmRoot"/>
-      </p:par>
-    </p:tnLst>
-  </p:timing>
 </p:sld>
 </file>
 
@@ -12106,7 +11635,7 @@
           <a:p>
             <a:pPr lvl="0"/>
             <a:r>
-              <a:rPr lang="en" sz="2400" dirty="0" smtClean="0">
+              <a:rPr lang="en" sz="2400" dirty="0">
                 <a:solidFill>
                   <a:srgbClr val="0098FF"/>
                 </a:solidFill>
@@ -12240,35 +11769,8 @@
       </p:sp>
       <p:pic>
         <p:nvPicPr>
-          <p:cNvPr id="103" name="Google Shape;103;g83372e3e9c_0_0"/>
-          <p:cNvPicPr preferRelativeResize="0"/>
-          <p:nvPr/>
-        </p:nvPicPr>
-        <p:blipFill rotWithShape="1">
-          <a:blip r:embed="rId3">
-            <a:alphaModFix/>
-          </a:blip>
-          <a:srcRect/>
-          <a:stretch/>
-        </p:blipFill>
-        <p:spPr>
-          <a:xfrm>
-            <a:off x="8489825" y="178900"/>
-            <a:ext cx="471675" cy="471675"/>
-          </a:xfrm>
-          <a:prstGeom prst="rect">
-            <a:avLst/>
-          </a:prstGeom>
-          <a:noFill/>
-          <a:ln>
-            <a:noFill/>
-          </a:ln>
-        </p:spPr>
-      </p:pic>
-      <p:pic>
-        <p:nvPicPr>
           <p:cNvPr id="2" name="Picture 1">
-            <a:hlinkClick r:id="rId4"/>
+            <a:hlinkClick r:id="rId3"/>
           </p:cNvPr>
           <p:cNvPicPr>
             <a:picLocks noChangeAspect="1"/>
@@ -12276,7 +11778,7 @@
           <p:nvPr/>
         </p:nvPicPr>
         <p:blipFill>
-          <a:blip r:embed="rId5">
+          <a:blip r:embed="rId4">
             <a:extLst>
               <a:ext uri="{28A0092B-C50C-407E-A947-70E740481C1C}">
                 <a14:useLocalDpi xmlns:a14="http://schemas.microsoft.com/office/drawing/2010/main" val="0"/>
@@ -12306,7 +11808,7 @@
           <p:nvPr/>
         </p:nvPicPr>
         <p:blipFill>
-          <a:blip r:embed="rId6">
+          <a:blip r:embed="rId5">
             <a:extLst>
               <a:ext uri="{28A0092B-C50C-407E-A947-70E740481C1C}">
                 <a14:useLocalDpi xmlns:a14="http://schemas.microsoft.com/office/drawing/2010/main" val="0"/>
@@ -12332,13 +11834,6 @@
   <p:clrMapOvr>
     <a:masterClrMapping/>
   </p:clrMapOvr>
-  <p:timing>
-    <p:tnLst>
-      <p:par>
-        <p:cTn id="1" dur="indefinite" restart="never" nodeType="tmRoot"/>
-      </p:par>
-    </p:tnLst>
-  </p:timing>
 </p:sld>
 </file>
 
@@ -12398,7 +11893,7 @@
           <a:p>
             <a:pPr lvl="0"/>
             <a:r>
-              <a:rPr lang="en" sz="2800" dirty="0" smtClean="0">
+              <a:rPr lang="en" sz="2800" dirty="0">
                 <a:solidFill>
                   <a:srgbClr val="0098FF"/>
                 </a:solidFill>
@@ -12458,7 +11953,7 @@
               <a:buNone/>
             </a:pPr>
             <a:r>
-              <a:rPr lang="en-IN" i="1" dirty="0" err="1" smtClean="0">
+              <a:rPr lang="en-IN" i="1" dirty="0" err="1">
                 <a:solidFill>
                   <a:srgbClr val="3D85C6"/>
                 </a:solidFill>
@@ -12481,33 +11976,6 @@
           </a:p>
         </p:txBody>
       </p:sp>
-      <p:pic>
-        <p:nvPicPr>
-          <p:cNvPr id="103" name="Google Shape;103;g83372e3e9c_0_0"/>
-          <p:cNvPicPr preferRelativeResize="0"/>
-          <p:nvPr/>
-        </p:nvPicPr>
-        <p:blipFill rotWithShape="1">
-          <a:blip r:embed="rId3">
-            <a:alphaModFix/>
-          </a:blip>
-          <a:srcRect/>
-          <a:stretch/>
-        </p:blipFill>
-        <p:spPr>
-          <a:xfrm>
-            <a:off x="8489825" y="178900"/>
-            <a:ext cx="471675" cy="471675"/>
-          </a:xfrm>
-          <a:prstGeom prst="rect">
-            <a:avLst/>
-          </a:prstGeom>
-          <a:noFill/>
-          <a:ln>
-            <a:noFill/>
-          </a:ln>
-        </p:spPr>
-      </p:pic>
       <p:sp>
         <p:nvSpPr>
           <p:cNvPr id="2" name="TextBox 1"/>
@@ -12538,7 +12006,7 @@
               <a:buChar char="•"/>
             </a:pPr>
             <a:r>
-              <a:rPr lang="en-IN" sz="1600" i="1" dirty="0" err="1" smtClean="0">
+              <a:rPr lang="en-IN" sz="1600" i="1" dirty="0" err="1">
                 <a:solidFill>
                   <a:schemeClr val="tx1"/>
                 </a:solidFill>
@@ -12546,31 +12014,23 @@
               <a:t>GitHub</a:t>
             </a:r>
             <a:r>
-              <a:rPr lang="en-IN" sz="1600" i="1" dirty="0" smtClean="0">
+              <a:rPr lang="en-IN" sz="1600" i="1" dirty="0">
                 <a:solidFill>
                   <a:schemeClr val="tx1"/>
                 </a:solidFill>
               </a:rPr>
-              <a:t> </a:t>
+              <a:t> Link: </a:t>
             </a:r>
             <a:r>
-              <a:rPr lang="en-IN" sz="1600" i="1" dirty="0" smtClean="0">
+              <a:rPr lang="en-IN" sz="1600" i="1" dirty="0">
                 <a:solidFill>
                   <a:schemeClr val="tx1"/>
                 </a:solidFill>
-              </a:rPr>
-              <a:t>Link: </a:t>
-            </a:r>
-            <a:r>
-              <a:rPr lang="en-IN" sz="1600" i="1" dirty="0" smtClean="0">
-                <a:solidFill>
-                  <a:schemeClr val="tx1"/>
-                </a:solidFill>
-                <a:hlinkClick r:id="rId4"/>
+                <a:hlinkClick r:id="rId3"/>
               </a:rPr>
               <a:t>https://github.com/24akhil/employee-churn-notebook.git</a:t>
             </a:r>
-            <a:endParaRPr lang="en-IN" sz="1600" i="1" dirty="0" smtClean="0">
+            <a:endParaRPr lang="en-IN" sz="1600" i="1" dirty="0">
               <a:solidFill>
                 <a:schemeClr val="tx1"/>
               </a:solidFill>
@@ -12582,7 +12042,7 @@
                 <a:schemeClr val="tx1"/>
               </a:buClr>
             </a:pPr>
-            <a:endParaRPr lang="en-IN" sz="1600" i="1" dirty="0" smtClean="0">
+            <a:endParaRPr lang="en-IN" sz="1600" i="1" dirty="0">
               <a:solidFill>
                 <a:schemeClr val="tx1"/>
               </a:solidFill>
@@ -12597,7 +12057,7 @@
               <a:buChar char="•"/>
             </a:pPr>
             <a:r>
-              <a:rPr lang="en-IN" sz="1600" i="1" dirty="0" smtClean="0">
+              <a:rPr lang="en-IN" sz="1600" i="1" dirty="0">
                 <a:solidFill>
                   <a:schemeClr val="tx1"/>
                 </a:solidFill>
@@ -12609,7 +12069,7 @@
                 <a:solidFill>
                   <a:schemeClr val="tx1"/>
                 </a:solidFill>
-                <a:hlinkClick r:id="rId5"/>
+                <a:hlinkClick r:id="rId4"/>
               </a:rPr>
               <a:t>https://employee-churn-pred.herokuapp.com/</a:t>
             </a:r>
@@ -12637,7 +12097,7 @@
                 <a:schemeClr val="tx1"/>
               </a:buClr>
             </a:pPr>
-            <a:endParaRPr lang="en-IN" dirty="0" smtClean="0">
+            <a:endParaRPr lang="en-IN" dirty="0">
               <a:solidFill>
                 <a:schemeClr val="tx1"/>
               </a:solidFill>
@@ -12675,7 +12135,7 @@
           <a:lstStyle/>
           <a:p>
             <a:r>
-              <a:rPr lang="en" sz="2800" dirty="0" smtClean="0">
+              <a:rPr lang="en" sz="2800" dirty="0">
                 <a:solidFill>
                   <a:srgbClr val="0098FF"/>
                 </a:solidFill>
@@ -12709,7 +12169,7 @@
           <a:lstStyle/>
           <a:p>
             <a:r>
-              <a:rPr lang="en-IN" sz="1600" i="1" dirty="0" err="1" smtClean="0">
+              <a:rPr lang="en-IN" sz="1600" i="1" dirty="0" err="1">
                 <a:solidFill>
                   <a:schemeClr val="tx1"/>
                 </a:solidFill>
@@ -12719,7 +12179,7 @@
               <a:t>Shivam</a:t>
             </a:r>
             <a:r>
-              <a:rPr lang="en-IN" sz="1600" i="1" dirty="0" smtClean="0">
+              <a:rPr lang="en-IN" sz="1600" i="1" dirty="0">
                 <a:solidFill>
                   <a:schemeClr val="tx1"/>
                 </a:solidFill>
@@ -12729,17 +12189,17 @@
               <a:t> Gupta – </a:t>
             </a:r>
             <a:r>
-              <a:rPr lang="en-IN" sz="1600" i="1" dirty="0" smtClean="0">
+              <a:rPr lang="en-IN" sz="1600" i="1" dirty="0">
                 <a:solidFill>
                   <a:schemeClr val="tx1"/>
                 </a:solidFill>
                 <a:latin typeface="Roboto" charset="0"/>
                 <a:ea typeface="Roboto" charset="0"/>
-                <a:hlinkClick r:id="rId6"/>
+                <a:hlinkClick r:id="rId5"/>
               </a:rPr>
               <a:t>gshivam014@gmail.com</a:t>
             </a:r>
-            <a:endParaRPr lang="en-IN" sz="1600" i="1" dirty="0" smtClean="0">
+            <a:endParaRPr lang="en-IN" sz="1600" i="1" dirty="0">
               <a:solidFill>
                 <a:schemeClr val="tx1"/>
               </a:solidFill>
@@ -12749,7 +12209,7 @@
           </a:p>
           <a:p>
             <a:r>
-              <a:rPr lang="en-IN" sz="1600" i="1" dirty="0" err="1" smtClean="0">
+              <a:rPr lang="en-IN" sz="1600" i="1" dirty="0" err="1">
                 <a:solidFill>
                   <a:schemeClr val="tx1"/>
                 </a:solidFill>
@@ -12759,7 +12219,7 @@
               <a:t>Akhil</a:t>
             </a:r>
             <a:r>
-              <a:rPr lang="en-IN" sz="1600" i="1" dirty="0" smtClean="0">
+              <a:rPr lang="en-IN" sz="1600" i="1" dirty="0">
                 <a:solidFill>
                   <a:schemeClr val="tx1"/>
                 </a:solidFill>
@@ -12769,7 +12229,7 @@
               <a:t> </a:t>
             </a:r>
             <a:r>
-              <a:rPr lang="en-IN" sz="1600" i="1" dirty="0" err="1" smtClean="0">
+              <a:rPr lang="en-IN" sz="1600" i="1" dirty="0" err="1">
                 <a:solidFill>
                   <a:schemeClr val="tx1"/>
                 </a:solidFill>
@@ -12779,7 +12239,7 @@
               <a:t>Shrivastava</a:t>
             </a:r>
             <a:r>
-              <a:rPr lang="en-IN" sz="1600" i="1" dirty="0" smtClean="0">
+              <a:rPr lang="en-IN" sz="1600" i="1" dirty="0">
                 <a:solidFill>
                   <a:schemeClr val="tx1"/>
                 </a:solidFill>
@@ -12789,13 +12249,13 @@
               <a:t> – </a:t>
             </a:r>
             <a:r>
-              <a:rPr lang="en-IN" sz="1600" i="1" dirty="0" smtClean="0">
+              <a:rPr lang="en-IN" sz="1600" i="1" dirty="0">
                 <a:solidFill>
                   <a:schemeClr val="tx1"/>
                 </a:solidFill>
                 <a:latin typeface="Roboto" charset="0"/>
                 <a:ea typeface="Roboto" charset="0"/>
-                <a:hlinkClick r:id="rId7"/>
+                <a:hlinkClick r:id="rId6"/>
               </a:rPr>
               <a:t>shriakhil24@gmail.com</a:t>
             </a:r>
@@ -12819,13 +12279,6 @@
   <p:clrMapOvr>
     <a:masterClrMapping/>
   </p:clrMapOvr>
-  <p:timing>
-    <p:tnLst>
-      <p:par>
-        <p:cTn id="1" dur="indefinite" restart="never" nodeType="tmRoot"/>
-      </p:par>
-    </p:tnLst>
-  </p:timing>
 </p:sld>
 </file>
 
@@ -12932,33 +12385,6 @@
           </a:p>
         </p:txBody>
       </p:sp>
-      <p:pic>
-        <p:nvPicPr>
-          <p:cNvPr id="110" name="Google Shape;110;g83372e3e9c_2_0"/>
-          <p:cNvPicPr preferRelativeResize="0"/>
-          <p:nvPr/>
-        </p:nvPicPr>
-        <p:blipFill rotWithShape="1">
-          <a:blip r:embed="rId3">
-            <a:alphaModFix/>
-          </a:blip>
-          <a:srcRect/>
-          <a:stretch/>
-        </p:blipFill>
-        <p:spPr>
-          <a:xfrm>
-            <a:off x="8489825" y="178900"/>
-            <a:ext cx="471675" cy="471675"/>
-          </a:xfrm>
-          <a:prstGeom prst="rect">
-            <a:avLst/>
-          </a:prstGeom>
-          <a:noFill/>
-          <a:ln>
-            <a:noFill/>
-          </a:ln>
-        </p:spPr>
-      </p:pic>
       <p:sp>
         <p:nvSpPr>
           <p:cNvPr id="5" name="TextBox 4"/>
@@ -12982,7 +12408,7 @@
           <a:lstStyle/>
           <a:p>
             <a:r>
-              <a:rPr lang="en" sz="2800" dirty="0" smtClean="0">
+              <a:rPr lang="en" sz="2800" dirty="0">
                 <a:solidFill>
                   <a:srgbClr val="0098FF"/>
                 </a:solidFill>
@@ -13009,7 +12435,7 @@
           <p:nvPr/>
         </p:nvPicPr>
         <p:blipFill>
-          <a:blip r:embed="rId4">
+          <a:blip r:embed="rId3">
             <a:extLst>
               <a:ext uri="{28A0092B-C50C-407E-A947-70E740481C1C}">
                 <a14:useLocalDpi xmlns:a14="http://schemas.microsoft.com/office/drawing/2010/main" val="0"/>
@@ -13087,7 +12513,7 @@
           <a:lstStyle/>
           <a:p>
             <a:r>
-              <a:rPr lang="en" sz="2800" dirty="0" smtClean="0">
+              <a:rPr lang="en" sz="2800" dirty="0">
                 <a:solidFill>
                   <a:srgbClr val="0098FF"/>
                 </a:solidFill>
@@ -13141,7 +12567,7 @@
                 <a:solidFill>
                   <a:schemeClr val="tx1"/>
                 </a:solidFill>
-                <a:hlinkClick r:id="rId5"/>
+                <a:hlinkClick r:id="rId4"/>
               </a:rPr>
               <a:t>issue</a:t>
             </a:r>
@@ -13153,11 +12579,6 @@
               </a:rPr>
               <a:t> here by including your search query and the expected result</a:t>
             </a:r>
-            <a:endParaRPr lang="en-IN" dirty="0">
-              <a:solidFill>
-                <a:schemeClr val="tx1"/>
-              </a:solidFill>
-            </a:endParaRPr>
           </a:p>
         </p:txBody>
       </p:sp>
@@ -13166,13 +12587,6 @@
   <p:clrMapOvr>
     <a:masterClrMapping/>
   </p:clrMapOvr>
-  <p:timing>
-    <p:tnLst>
-      <p:par>
-        <p:cTn id="1" dur="indefinite" restart="never" nodeType="tmRoot"/>
-      </p:par>
-    </p:tnLst>
-  </p:timing>
 </p:sld>
 </file>
 
